--- a/images/新建 Microsoft PowerPoint 演示文稿.pptx
+++ b/images/新建 Microsoft PowerPoint 演示文稿.pptx
@@ -5,8 +5,7 @@
     <p:sldMasterId id="2147483648" r:id="rId1"/>
   </p:sldMasterIdLst>
   <p:sldIdLst>
-    <p:sldId id="256" r:id="rId2"/>
-    <p:sldId id="257" r:id="rId3"/>
+    <p:sldId id="257" r:id="rId2"/>
   </p:sldIdLst>
   <p:sldSz cx="12192000" cy="6858000"/>
   <p:notesSz cx="6858000" cy="9144000"/>
@@ -3340,90 +3339,10 @@
       </p:grpSpPr>
       <p:sp>
         <p:nvSpPr>
-          <p:cNvPr id="2" name="标题 1">
-            <a:extLst>
-              <a:ext uri="{FF2B5EF4-FFF2-40B4-BE49-F238E27FC236}">
-                <a16:creationId xmlns:a16="http://schemas.microsoft.com/office/drawing/2014/main" id="{B8D174A0-3AA4-45EF-B994-5B74D109FF7F}"/>
-              </a:ext>
-            </a:extLst>
-          </p:cNvPr>
-          <p:cNvSpPr>
-            <a:spLocks noGrp="1"/>
-          </p:cNvSpPr>
-          <p:nvPr>
-            <p:ph type="ctrTitle"/>
-          </p:nvPr>
-        </p:nvSpPr>
-        <p:spPr/>
-        <p:txBody>
-          <a:bodyPr/>
-          <a:lstStyle/>
-          <a:p>
-            <a:endParaRPr lang="zh-CN" altLang="en-US"/>
-          </a:p>
-        </p:txBody>
-      </p:sp>
-      <p:sp>
-        <p:nvSpPr>
-          <p:cNvPr id="3" name="副标题 2">
-            <a:extLst>
-              <a:ext uri="{FF2B5EF4-FFF2-40B4-BE49-F238E27FC236}">
-                <a16:creationId xmlns:a16="http://schemas.microsoft.com/office/drawing/2014/main" id="{CF6B08F8-3AB4-4222-BBE7-158A62AF7F32}"/>
-              </a:ext>
-            </a:extLst>
-          </p:cNvPr>
-          <p:cNvSpPr>
-            <a:spLocks noGrp="1"/>
-          </p:cNvSpPr>
-          <p:nvPr>
-            <p:ph type="subTitle" idx="1"/>
-          </p:nvPr>
-        </p:nvSpPr>
-        <p:spPr/>
-        <p:txBody>
-          <a:bodyPr/>
-          <a:lstStyle/>
-          <a:p>
-            <a:endParaRPr lang="zh-CN" altLang="en-US"/>
-          </a:p>
-        </p:txBody>
-      </p:sp>
-    </p:spTree>
-    <p:extLst>
-      <p:ext uri="{BB962C8B-B14F-4D97-AF65-F5344CB8AC3E}">
-        <p14:creationId xmlns:p14="http://schemas.microsoft.com/office/powerpoint/2010/main" val="1982848880"/>
-      </p:ext>
-    </p:extLst>
-  </p:cSld>
-  <p:clrMapOvr>
-    <a:masterClrMapping/>
-  </p:clrMapOvr>
-</p:sld>
-</file>
-
-<file path=ppt/slides/slide2.xml><?xml version="1.0" encoding="utf-8"?>
-<p:sld xmlns:a="http://schemas.openxmlformats.org/drawingml/2006/main" xmlns:r="http://schemas.openxmlformats.org/officeDocument/2006/relationships" xmlns:p="http://schemas.openxmlformats.org/presentationml/2006/main">
-  <p:cSld>
-    <p:spTree>
-      <p:nvGrpSpPr>
-        <p:cNvPr id="1" name=""/>
-        <p:cNvGrpSpPr/>
-        <p:nvPr/>
-      </p:nvGrpSpPr>
-      <p:grpSpPr>
-        <a:xfrm>
-          <a:off x="0" y="0"/>
-          <a:ext cx="0" cy="0"/>
-          <a:chOff x="0" y="0"/>
-          <a:chExt cx="0" cy="0"/>
-        </a:xfrm>
-      </p:grpSpPr>
-      <p:sp>
-        <p:nvSpPr>
-          <p:cNvPr id="2" name="矩形 1">
-            <a:extLst>
-              <a:ext uri="{FF2B5EF4-FFF2-40B4-BE49-F238E27FC236}">
-                <a16:creationId xmlns:a16="http://schemas.microsoft.com/office/drawing/2014/main" id="{49676210-0524-4EB4-8D66-44409DEDE0D8}"/>
+          <p:cNvPr id="6" name="矩形 5">
+            <a:extLst>
+              <a:ext uri="{FF2B5EF4-FFF2-40B4-BE49-F238E27FC236}">
+                <a16:creationId xmlns:a16="http://schemas.microsoft.com/office/drawing/2014/main" id="{C0371B98-2748-4994-8FC3-081441CC2D3D}"/>
               </a:ext>
             </a:extLst>
           </p:cNvPr>
@@ -3432,12 +3351,14 @@
         </p:nvSpPr>
         <p:spPr>
           <a:xfrm>
-            <a:off x="3453138" y="1698171"/>
-            <a:ext cx="5793093" cy="857605"/>
+            <a:off x="4023095" y="4432103"/>
+            <a:ext cx="3600000" cy="720000"/>
           </a:xfrm>
           <a:prstGeom prst="rect">
             <a:avLst/>
           </a:prstGeom>
+          <a:noFill/>
+          <a:ln w="38100"/>
         </p:spPr>
         <p:style>
           <a:lnRef idx="2">
@@ -3464,6 +3385,1378 @@
           </a:p>
         </p:txBody>
       </p:sp>
+      <p:grpSp>
+        <p:nvGrpSpPr>
+          <p:cNvPr id="26" name="组合 25">
+            <a:extLst>
+              <a:ext uri="{FF2B5EF4-FFF2-40B4-BE49-F238E27FC236}">
+                <a16:creationId xmlns:a16="http://schemas.microsoft.com/office/drawing/2014/main" id="{04972D57-056D-43BF-BFD9-6FAE7095D9FA}"/>
+              </a:ext>
+            </a:extLst>
+          </p:cNvPr>
+          <p:cNvGrpSpPr/>
+          <p:nvPr/>
+        </p:nvGrpSpPr>
+        <p:grpSpPr>
+          <a:xfrm>
+            <a:off x="2285317" y="988787"/>
+            <a:ext cx="2254700" cy="4880425"/>
+            <a:chOff x="1745249" y="678047"/>
+            <a:chExt cx="2254700" cy="4880425"/>
+          </a:xfrm>
+        </p:grpSpPr>
+        <mc:AlternateContent xmlns:mc="http://schemas.openxmlformats.org/markup-compatibility/2006">
+          <mc:Choice xmlns:a14="http://schemas.microsoft.com/office/drawing/2010/main" Requires="a14">
+            <p:sp>
+              <p:nvSpPr>
+                <p:cNvPr id="11" name="文本框 10">
+                  <a:extLst>
+                    <a:ext uri="{FF2B5EF4-FFF2-40B4-BE49-F238E27FC236}">
+                      <a16:creationId xmlns:a16="http://schemas.microsoft.com/office/drawing/2014/main" id="{79D53866-4A35-4267-BAC2-0DE13C415152}"/>
+                    </a:ext>
+                  </a:extLst>
+                </p:cNvPr>
+                <p:cNvSpPr txBox="1"/>
+                <p:nvPr/>
+              </p:nvSpPr>
+              <p:spPr>
+                <a:xfrm>
+                  <a:off x="2872599" y="801232"/>
+                  <a:ext cx="1127350" cy="369332"/>
+                </a:xfrm>
+                <a:prstGeom prst="rect">
+                  <a:avLst/>
+                </a:prstGeom>
+                <a:noFill/>
+              </p:spPr>
+              <p:txBody>
+                <a:bodyPr wrap="square" rtlCol="0">
+                  <a:spAutoFit/>
+                </a:bodyPr>
+                <a:lstStyle/>
+                <a:p>
+                  <a14:m>
+                    <m:oMathPara xmlns:m="http://schemas.openxmlformats.org/officeDocument/2006/math">
+                      <m:oMathParaPr>
+                        <m:jc m:val="centerGroup"/>
+                      </m:oMathParaPr>
+                      <m:oMath xmlns:m="http://schemas.openxmlformats.org/officeDocument/2006/math">
+                        <m:r>
+                          <a:rPr lang="en-US" altLang="zh-CN" b="0" i="1" smtClean="0">
+                            <a:latin typeface="Cambria Math" panose="02040503050406030204" pitchFamily="18" charset="0"/>
+                          </a:rPr>
+                          <m:t>𝑥</m:t>
+                        </m:r>
+                      </m:oMath>
+                    </m:oMathPara>
+                  </a14:m>
+                  <a:endParaRPr lang="zh-CN" altLang="en-US" dirty="0"/>
+                </a:p>
+              </p:txBody>
+            </p:sp>
+          </mc:Choice>
+          <mc:Fallback>
+            <p:sp>
+              <p:nvSpPr>
+                <p:cNvPr id="11" name="文本框 10">
+                  <a:extLst>
+                    <a:ext uri="{FF2B5EF4-FFF2-40B4-BE49-F238E27FC236}">
+                      <a16:creationId xmlns:a16="http://schemas.microsoft.com/office/drawing/2014/main" id="{79D53866-4A35-4267-BAC2-0DE13C415152}"/>
+                    </a:ext>
+                  </a:extLst>
+                </p:cNvPr>
+                <p:cNvSpPr txBox="1">
+                  <a:spLocks noRot="1" noChangeAspect="1" noMove="1" noResize="1" noEditPoints="1" noAdjustHandles="1" noChangeArrowheads="1" noChangeShapeType="1" noTextEdit="1"/>
+                </p:cNvSpPr>
+                <p:nvPr/>
+              </p:nvSpPr>
+              <p:spPr>
+                <a:xfrm>
+                  <a:off x="2872599" y="801232"/>
+                  <a:ext cx="1127350" cy="369332"/>
+                </a:xfrm>
+                <a:prstGeom prst="rect">
+                  <a:avLst/>
+                </a:prstGeom>
+                <a:blipFill>
+                  <a:blip r:embed="rId2"/>
+                  <a:stretch>
+                    <a:fillRect/>
+                  </a:stretch>
+                </a:blipFill>
+              </p:spPr>
+              <p:txBody>
+                <a:bodyPr/>
+                <a:lstStyle/>
+                <a:p>
+                  <a:r>
+                    <a:rPr lang="zh-CN" altLang="en-US">
+                      <a:noFill/>
+                    </a:rPr>
+                    <a:t> </a:t>
+                  </a:r>
+                </a:p>
+              </p:txBody>
+            </p:sp>
+          </mc:Fallback>
+        </mc:AlternateContent>
+        <p:grpSp>
+          <p:nvGrpSpPr>
+            <p:cNvPr id="25" name="组合 24">
+              <a:extLst>
+                <a:ext uri="{FF2B5EF4-FFF2-40B4-BE49-F238E27FC236}">
+                  <a16:creationId xmlns:a16="http://schemas.microsoft.com/office/drawing/2014/main" id="{8B6C2BF7-31F4-44BE-98FB-2C3AF49AB769}"/>
+                </a:ext>
+              </a:extLst>
+            </p:cNvPr>
+            <p:cNvGrpSpPr/>
+            <p:nvPr/>
+          </p:nvGrpSpPr>
+          <p:grpSpPr>
+            <a:xfrm>
+              <a:off x="1745249" y="678047"/>
+              <a:ext cx="1737778" cy="4880425"/>
+              <a:chOff x="1992709" y="705366"/>
+              <a:chExt cx="1737778" cy="4880425"/>
+            </a:xfrm>
+          </p:grpSpPr>
+          <p:cxnSp>
+            <p:nvCxnSpPr>
+              <p:cNvPr id="8" name="直接箭头连接符 7">
+                <a:extLst>
+                  <a:ext uri="{FF2B5EF4-FFF2-40B4-BE49-F238E27FC236}">
+                    <a16:creationId xmlns:a16="http://schemas.microsoft.com/office/drawing/2014/main" id="{03AD79DB-9629-4953-80B5-9A8128B6F8BE}"/>
+                  </a:ext>
+                </a:extLst>
+              </p:cNvPr>
+              <p:cNvCxnSpPr>
+                <a:cxnSpLocks/>
+              </p:cNvCxnSpPr>
+              <p:nvPr/>
+            </p:nvCxnSpPr>
+            <p:spPr>
+              <a:xfrm>
+                <a:off x="2281409" y="705366"/>
+                <a:ext cx="0" cy="4880425"/>
+              </a:xfrm>
+              <a:prstGeom prst="straightConnector1">
+                <a:avLst/>
+              </a:prstGeom>
+              <a:ln w="38100">
+                <a:tailEnd type="triangle"/>
+              </a:ln>
+            </p:spPr>
+            <p:style>
+              <a:lnRef idx="1">
+                <a:schemeClr val="accent1"/>
+              </a:lnRef>
+              <a:fillRef idx="0">
+                <a:schemeClr val="accent1"/>
+              </a:fillRef>
+              <a:effectRef idx="0">
+                <a:schemeClr val="accent1"/>
+              </a:effectRef>
+              <a:fontRef idx="minor">
+                <a:schemeClr val="tx1"/>
+              </a:fontRef>
+            </p:style>
+          </p:cxnSp>
+          <p:cxnSp>
+            <p:nvCxnSpPr>
+              <p:cNvPr id="10" name="直接箭头连接符 9">
+                <a:extLst>
+                  <a:ext uri="{FF2B5EF4-FFF2-40B4-BE49-F238E27FC236}">
+                    <a16:creationId xmlns:a16="http://schemas.microsoft.com/office/drawing/2014/main" id="{83AA2842-32B0-4882-A640-3D4EC834C7D7}"/>
+                  </a:ext>
+                </a:extLst>
+              </p:cNvPr>
+              <p:cNvCxnSpPr>
+                <a:cxnSpLocks/>
+              </p:cNvCxnSpPr>
+              <p:nvPr/>
+            </p:nvCxnSpPr>
+            <p:spPr>
+              <a:xfrm>
+                <a:off x="2263826" y="705366"/>
+                <a:ext cx="1466661" cy="0"/>
+              </a:xfrm>
+              <a:prstGeom prst="straightConnector1">
+                <a:avLst/>
+              </a:prstGeom>
+              <a:ln w="38100">
+                <a:tailEnd type="triangle"/>
+              </a:ln>
+            </p:spPr>
+            <p:style>
+              <a:lnRef idx="1">
+                <a:schemeClr val="accent1"/>
+              </a:lnRef>
+              <a:fillRef idx="0">
+                <a:schemeClr val="accent1"/>
+              </a:fillRef>
+              <a:effectRef idx="0">
+                <a:schemeClr val="accent1"/>
+              </a:effectRef>
+              <a:fontRef idx="minor">
+                <a:schemeClr val="tx1"/>
+              </a:fontRef>
+            </p:style>
+          </p:cxnSp>
+          <mc:AlternateContent xmlns:mc="http://schemas.openxmlformats.org/markup-compatibility/2006">
+            <mc:Choice xmlns:a14="http://schemas.microsoft.com/office/drawing/2010/main" Requires="a14">
+              <p:sp>
+                <p:nvSpPr>
+                  <p:cNvPr id="12" name="文本框 11">
+                    <a:extLst>
+                      <a:ext uri="{FF2B5EF4-FFF2-40B4-BE49-F238E27FC236}">
+                        <a16:creationId xmlns:a16="http://schemas.microsoft.com/office/drawing/2014/main" id="{98EAE53A-BBF2-40FC-A170-1BBD0D2923EE}"/>
+                      </a:ext>
+                    </a:extLst>
+                  </p:cNvPr>
+                  <p:cNvSpPr txBox="1"/>
+                  <p:nvPr/>
+                </p:nvSpPr>
+                <p:spPr>
+                  <a:xfrm>
+                    <a:off x="1992709" y="5071287"/>
+                    <a:ext cx="1127350" cy="369332"/>
+                  </a:xfrm>
+                  <a:prstGeom prst="rect">
+                    <a:avLst/>
+                  </a:prstGeom>
+                  <a:noFill/>
+                </p:spPr>
+                <p:txBody>
+                  <a:bodyPr wrap="square" rtlCol="0">
+                    <a:spAutoFit/>
+                  </a:bodyPr>
+                  <a:lstStyle/>
+                  <a:p>
+                    <a14:m>
+                      <m:oMathPara xmlns:m="http://schemas.openxmlformats.org/officeDocument/2006/math">
+                        <m:oMathParaPr>
+                          <m:jc m:val="centerGroup"/>
+                        </m:oMathParaPr>
+                        <m:oMath xmlns:m="http://schemas.openxmlformats.org/officeDocument/2006/math">
+                          <m:r>
+                            <a:rPr lang="en-US" altLang="zh-CN" b="0" i="1" smtClean="0">
+                              <a:latin typeface="Cambria Math" panose="02040503050406030204" pitchFamily="18" charset="0"/>
+                            </a:rPr>
+                            <m:t>𝑧</m:t>
+                          </m:r>
+                        </m:oMath>
+                      </m:oMathPara>
+                    </a14:m>
+                    <a:endParaRPr lang="zh-CN" altLang="en-US" dirty="0"/>
+                  </a:p>
+                </p:txBody>
+              </p:sp>
+            </mc:Choice>
+            <mc:Fallback>
+              <p:sp>
+                <p:nvSpPr>
+                  <p:cNvPr id="12" name="文本框 11">
+                    <a:extLst>
+                      <a:ext uri="{FF2B5EF4-FFF2-40B4-BE49-F238E27FC236}">
+                        <a16:creationId xmlns:a16="http://schemas.microsoft.com/office/drawing/2014/main" id="{98EAE53A-BBF2-40FC-A170-1BBD0D2923EE}"/>
+                      </a:ext>
+                    </a:extLst>
+                  </p:cNvPr>
+                  <p:cNvSpPr txBox="1">
+                    <a:spLocks noRot="1" noChangeAspect="1" noMove="1" noResize="1" noEditPoints="1" noAdjustHandles="1" noChangeArrowheads="1" noChangeShapeType="1" noTextEdit="1"/>
+                  </p:cNvSpPr>
+                  <p:nvPr/>
+                </p:nvSpPr>
+                <p:spPr>
+                  <a:xfrm>
+                    <a:off x="1992709" y="5071287"/>
+                    <a:ext cx="1127350" cy="369332"/>
+                  </a:xfrm>
+                  <a:prstGeom prst="rect">
+                    <a:avLst/>
+                  </a:prstGeom>
+                  <a:blipFill>
+                    <a:blip r:embed="rId3"/>
+                    <a:stretch>
+                      <a:fillRect/>
+                    </a:stretch>
+                  </a:blipFill>
+                </p:spPr>
+                <p:txBody>
+                  <a:bodyPr/>
+                  <a:lstStyle/>
+                  <a:p>
+                    <a:r>
+                      <a:rPr lang="zh-CN" altLang="en-US">
+                        <a:noFill/>
+                      </a:rPr>
+                      <a:t> </a:t>
+                    </a:r>
+                  </a:p>
+                </p:txBody>
+              </p:sp>
+            </mc:Fallback>
+          </mc:AlternateContent>
+        </p:grpSp>
+      </p:grpSp>
+      <p:cxnSp>
+        <p:nvCxnSpPr>
+          <p:cNvPr id="18" name="直接连接符 17">
+            <a:extLst>
+              <a:ext uri="{FF2B5EF4-FFF2-40B4-BE49-F238E27FC236}">
+                <a16:creationId xmlns:a16="http://schemas.microsoft.com/office/drawing/2014/main" id="{6C030667-31EA-436F-9FEB-A67EDBA947DC}"/>
+              </a:ext>
+            </a:extLst>
+          </p:cNvPr>
+          <p:cNvCxnSpPr>
+            <a:cxnSpLocks/>
+          </p:cNvCxnSpPr>
+          <p:nvPr/>
+        </p:nvCxnSpPr>
+        <p:spPr>
+          <a:xfrm>
+            <a:off x="5823095" y="540026"/>
+            <a:ext cx="0" cy="5844209"/>
+          </a:xfrm>
+          <a:prstGeom prst="line">
+            <a:avLst/>
+          </a:prstGeom>
+          <a:ln w="19050" cap="flat" cmpd="sng" algn="ctr">
+            <a:solidFill>
+              <a:schemeClr val="dk1"/>
+            </a:solidFill>
+            <a:prstDash val="dash"/>
+            <a:round/>
+            <a:headEnd type="none" w="med" len="med"/>
+            <a:tailEnd type="none" w="med" len="med"/>
+          </a:ln>
+        </p:spPr>
+        <p:style>
+          <a:lnRef idx="0">
+            <a:scrgbClr r="0" g="0" b="0"/>
+          </a:lnRef>
+          <a:fillRef idx="0">
+            <a:scrgbClr r="0" g="0" b="0"/>
+          </a:fillRef>
+          <a:effectRef idx="0">
+            <a:scrgbClr r="0" g="0" b="0"/>
+          </a:effectRef>
+          <a:fontRef idx="minor">
+            <a:schemeClr val="tx1"/>
+          </a:fontRef>
+        </p:style>
+      </p:cxnSp>
+      <p:grpSp>
+        <p:nvGrpSpPr>
+          <p:cNvPr id="27" name="组合 26">
+            <a:extLst>
+              <a:ext uri="{FF2B5EF4-FFF2-40B4-BE49-F238E27FC236}">
+                <a16:creationId xmlns:a16="http://schemas.microsoft.com/office/drawing/2014/main" id="{FFA59851-1D4D-4F75-9D56-F2469D36BE2E}"/>
+              </a:ext>
+            </a:extLst>
+          </p:cNvPr>
+          <p:cNvGrpSpPr/>
+          <p:nvPr/>
+        </p:nvGrpSpPr>
+        <p:grpSpPr>
+          <a:xfrm>
+            <a:off x="3976342" y="695739"/>
+            <a:ext cx="3600000" cy="2425034"/>
+            <a:chOff x="4296000" y="185530"/>
+            <a:chExt cx="3600000" cy="2425034"/>
+          </a:xfrm>
+        </p:grpSpPr>
+        <p:sp>
+          <p:nvSpPr>
+            <p:cNvPr id="3" name="矩形 2">
+              <a:extLst>
+                <a:ext uri="{FF2B5EF4-FFF2-40B4-BE49-F238E27FC236}">
+                  <a16:creationId xmlns:a16="http://schemas.microsoft.com/office/drawing/2014/main" id="{AC60288C-3E03-4454-A45F-1312FFB6B74A}"/>
+                </a:ext>
+              </a:extLst>
+            </p:cNvPr>
+            <p:cNvSpPr/>
+            <p:nvPr/>
+          </p:nvSpPr>
+          <p:spPr>
+            <a:xfrm>
+              <a:off x="4296000" y="1170564"/>
+              <a:ext cx="3600000" cy="720000"/>
+            </a:xfrm>
+            <a:prstGeom prst="rect">
+              <a:avLst/>
+            </a:prstGeom>
+            <a:noFill/>
+            <a:ln w="38100"/>
+          </p:spPr>
+          <p:style>
+            <a:lnRef idx="2">
+              <a:schemeClr val="accent1">
+                <a:shade val="50000"/>
+              </a:schemeClr>
+            </a:lnRef>
+            <a:fillRef idx="1">
+              <a:schemeClr val="accent1"/>
+            </a:fillRef>
+            <a:effectRef idx="0">
+              <a:schemeClr val="accent1"/>
+            </a:effectRef>
+            <a:fontRef idx="minor">
+              <a:schemeClr val="lt1"/>
+            </a:fontRef>
+          </p:style>
+          <p:txBody>
+            <a:bodyPr rtlCol="0" anchor="ctr"/>
+            <a:lstStyle/>
+            <a:p>
+              <a:pPr algn="ctr"/>
+              <a:endParaRPr lang="zh-CN" altLang="en-US"/>
+            </a:p>
+          </p:txBody>
+        </p:sp>
+        <p:sp>
+          <p:nvSpPr>
+            <p:cNvPr id="5" name="矩形 4">
+              <a:extLst>
+                <a:ext uri="{FF2B5EF4-FFF2-40B4-BE49-F238E27FC236}">
+                  <a16:creationId xmlns:a16="http://schemas.microsoft.com/office/drawing/2014/main" id="{F44304C5-508D-4005-A3B5-3E70F91CCA2C}"/>
+                </a:ext>
+              </a:extLst>
+            </p:cNvPr>
+            <p:cNvSpPr/>
+            <p:nvPr/>
+          </p:nvSpPr>
+          <p:spPr>
+            <a:xfrm>
+              <a:off x="4296000" y="1890564"/>
+              <a:ext cx="3600000" cy="720000"/>
+            </a:xfrm>
+            <a:prstGeom prst="rect">
+              <a:avLst/>
+            </a:prstGeom>
+            <a:noFill/>
+            <a:ln w="38100"/>
+          </p:spPr>
+          <p:style>
+            <a:lnRef idx="2">
+              <a:schemeClr val="accent1">
+                <a:shade val="50000"/>
+              </a:schemeClr>
+            </a:lnRef>
+            <a:fillRef idx="1">
+              <a:schemeClr val="accent1"/>
+            </a:fillRef>
+            <a:effectRef idx="0">
+              <a:schemeClr val="accent1"/>
+            </a:effectRef>
+            <a:fontRef idx="minor">
+              <a:schemeClr val="lt1"/>
+            </a:fontRef>
+          </p:style>
+          <p:txBody>
+            <a:bodyPr rtlCol="0" anchor="ctr"/>
+            <a:lstStyle/>
+            <a:p>
+              <a:pPr algn="ctr"/>
+              <a:endParaRPr lang="zh-CN" altLang="en-US"/>
+            </a:p>
+          </p:txBody>
+        </p:sp>
+        <p:cxnSp>
+          <p:nvCxnSpPr>
+            <p:cNvPr id="21" name="直接箭头连接符 20">
+              <a:extLst>
+                <a:ext uri="{FF2B5EF4-FFF2-40B4-BE49-F238E27FC236}">
+                  <a16:creationId xmlns:a16="http://schemas.microsoft.com/office/drawing/2014/main" id="{F0158AB8-1070-46DB-A08B-BCEC0A33BA2B}"/>
+                </a:ext>
+              </a:extLst>
+            </p:cNvPr>
+            <p:cNvCxnSpPr>
+              <a:endCxn id="3" idx="0"/>
+            </p:cNvCxnSpPr>
+            <p:nvPr/>
+          </p:nvCxnSpPr>
+          <p:spPr>
+            <a:xfrm>
+              <a:off x="5440017" y="185530"/>
+              <a:ext cx="655983" cy="985034"/>
+            </a:xfrm>
+            <a:prstGeom prst="straightConnector1">
+              <a:avLst/>
+            </a:prstGeom>
+            <a:ln w="19050">
+              <a:tailEnd type="triangle"/>
+            </a:ln>
+          </p:spPr>
+          <p:style>
+            <a:lnRef idx="1">
+              <a:schemeClr val="accent1"/>
+            </a:lnRef>
+            <a:fillRef idx="0">
+              <a:schemeClr val="accent1"/>
+            </a:fillRef>
+            <a:effectRef idx="0">
+              <a:schemeClr val="accent1"/>
+            </a:effectRef>
+            <a:fontRef idx="minor">
+              <a:schemeClr val="tx1"/>
+            </a:fontRef>
+          </p:style>
+        </p:cxnSp>
+        <p:sp>
+          <p:nvSpPr>
+            <p:cNvPr id="22" name="弧形 21">
+              <a:extLst>
+                <a:ext uri="{FF2B5EF4-FFF2-40B4-BE49-F238E27FC236}">
+                  <a16:creationId xmlns:a16="http://schemas.microsoft.com/office/drawing/2014/main" id="{4F5C0D77-DECE-4E1A-93BC-4CE26FCCB8F2}"/>
+                </a:ext>
+              </a:extLst>
+            </p:cNvPr>
+            <p:cNvSpPr/>
+            <p:nvPr/>
+          </p:nvSpPr>
+          <p:spPr>
+            <a:xfrm>
+              <a:off x="5768008" y="784355"/>
+              <a:ext cx="655982" cy="720000"/>
+            </a:xfrm>
+            <a:prstGeom prst="arc">
+              <a:avLst>
+                <a:gd name="adj1" fmla="val 13975866"/>
+                <a:gd name="adj2" fmla="val 16585123"/>
+              </a:avLst>
+            </a:prstGeom>
+            <a:ln w="12700"/>
+          </p:spPr>
+          <p:style>
+            <a:lnRef idx="1">
+              <a:schemeClr val="accent1"/>
+            </a:lnRef>
+            <a:fillRef idx="0">
+              <a:schemeClr val="accent1"/>
+            </a:fillRef>
+            <a:effectRef idx="0">
+              <a:schemeClr val="accent1"/>
+            </a:effectRef>
+            <a:fontRef idx="minor">
+              <a:schemeClr val="tx1"/>
+            </a:fontRef>
+          </p:style>
+          <p:txBody>
+            <a:bodyPr rtlCol="0" anchor="ctr"/>
+            <a:lstStyle/>
+            <a:p>
+              <a:pPr algn="ctr"/>
+              <a:endParaRPr lang="zh-CN" altLang="en-US"/>
+            </a:p>
+          </p:txBody>
+        </p:sp>
+        <mc:AlternateContent xmlns:mc="http://schemas.openxmlformats.org/markup-compatibility/2006">
+          <mc:Choice xmlns:a14="http://schemas.microsoft.com/office/drawing/2010/main" Requires="a14">
+            <p:sp>
+              <p:nvSpPr>
+                <p:cNvPr id="23" name="文本框 22">
+                  <a:extLst>
+                    <a:ext uri="{FF2B5EF4-FFF2-40B4-BE49-F238E27FC236}">
+                      <a16:creationId xmlns:a16="http://schemas.microsoft.com/office/drawing/2014/main" id="{B0AC0BE6-DA97-43AB-B9BA-18B83BFBBD26}"/>
+                    </a:ext>
+                  </a:extLst>
+                </p:cNvPr>
+                <p:cNvSpPr txBox="1"/>
+                <p:nvPr/>
+              </p:nvSpPr>
+              <p:spPr>
+                <a:xfrm>
+                  <a:off x="5283026" y="336034"/>
+                  <a:ext cx="1278835" cy="369332"/>
+                </a:xfrm>
+                <a:prstGeom prst="rect">
+                  <a:avLst/>
+                </a:prstGeom>
+                <a:noFill/>
+              </p:spPr>
+              <p:txBody>
+                <a:bodyPr wrap="square" rtlCol="0">
+                  <a:spAutoFit/>
+                </a:bodyPr>
+                <a:lstStyle/>
+                <a:p>
+                  <a14:m>
+                    <m:oMathPara xmlns:m="http://schemas.openxmlformats.org/officeDocument/2006/math">
+                      <m:oMathParaPr>
+                        <m:jc m:val="centerGroup"/>
+                      </m:oMathParaPr>
+                      <m:oMath xmlns:m="http://schemas.openxmlformats.org/officeDocument/2006/math">
+                        <m:r>
+                          <a:rPr lang="en-US" altLang="zh-CN" b="0" i="1" smtClean="0">
+                            <a:latin typeface="Cambria Math" panose="02040503050406030204" pitchFamily="18" charset="0"/>
+                          </a:rPr>
+                          <m:t>𝜃</m:t>
+                        </m:r>
+                      </m:oMath>
+                    </m:oMathPara>
+                  </a14:m>
+                  <a:endParaRPr lang="zh-CN" altLang="en-US" dirty="0"/>
+                </a:p>
+              </p:txBody>
+            </p:sp>
+          </mc:Choice>
+          <mc:Fallback>
+            <p:sp>
+              <p:nvSpPr>
+                <p:cNvPr id="23" name="文本框 22">
+                  <a:extLst>
+                    <a:ext uri="{FF2B5EF4-FFF2-40B4-BE49-F238E27FC236}">
+                      <a16:creationId xmlns:a16="http://schemas.microsoft.com/office/drawing/2014/main" id="{B0AC0BE6-DA97-43AB-B9BA-18B83BFBBD26}"/>
+                    </a:ext>
+                  </a:extLst>
+                </p:cNvPr>
+                <p:cNvSpPr txBox="1">
+                  <a:spLocks noRot="1" noChangeAspect="1" noMove="1" noResize="1" noEditPoints="1" noAdjustHandles="1" noChangeArrowheads="1" noChangeShapeType="1" noTextEdit="1"/>
+                </p:cNvSpPr>
+                <p:nvPr/>
+              </p:nvSpPr>
+              <p:spPr>
+                <a:xfrm>
+                  <a:off x="5283026" y="336034"/>
+                  <a:ext cx="1278835" cy="369332"/>
+                </a:xfrm>
+                <a:prstGeom prst="rect">
+                  <a:avLst/>
+                </a:prstGeom>
+                <a:blipFill>
+                  <a:blip r:embed="rId4"/>
+                  <a:stretch>
+                    <a:fillRect/>
+                  </a:stretch>
+                </a:blipFill>
+              </p:spPr>
+              <p:txBody>
+                <a:bodyPr/>
+                <a:lstStyle/>
+                <a:p>
+                  <a:r>
+                    <a:rPr lang="zh-CN" altLang="en-US">
+                      <a:noFill/>
+                    </a:rPr>
+                    <a:t> </a:t>
+                  </a:r>
+                </a:p>
+              </p:txBody>
+            </p:sp>
+          </mc:Fallback>
+        </mc:AlternateContent>
+      </p:grpSp>
+      <p:grpSp>
+        <p:nvGrpSpPr>
+          <p:cNvPr id="31" name="组合 30">
+            <a:extLst>
+              <a:ext uri="{FF2B5EF4-FFF2-40B4-BE49-F238E27FC236}">
+                <a16:creationId xmlns:a16="http://schemas.microsoft.com/office/drawing/2014/main" id="{7BA50A37-9A63-400A-BB33-88512D70F775}"/>
+              </a:ext>
+            </a:extLst>
+          </p:cNvPr>
+          <p:cNvGrpSpPr/>
+          <p:nvPr/>
+        </p:nvGrpSpPr>
+        <p:grpSpPr>
+          <a:xfrm>
+            <a:off x="7868646" y="1820757"/>
+            <a:ext cx="1278836" cy="3216483"/>
+            <a:chOff x="8139915" y="1760286"/>
+            <a:chExt cx="1278836" cy="3216483"/>
+          </a:xfrm>
+        </p:grpSpPr>
+        <mc:AlternateContent xmlns:mc="http://schemas.openxmlformats.org/markup-compatibility/2006">
+          <mc:Choice xmlns:a14="http://schemas.microsoft.com/office/drawing/2010/main" Requires="a14">
+            <p:sp>
+              <p:nvSpPr>
+                <p:cNvPr id="13" name="文本框 12">
+                  <a:extLst>
+                    <a:ext uri="{FF2B5EF4-FFF2-40B4-BE49-F238E27FC236}">
+                      <a16:creationId xmlns:a16="http://schemas.microsoft.com/office/drawing/2014/main" id="{93091E59-0076-4057-A3B9-6F4C2B010F4F}"/>
+                    </a:ext>
+                  </a:extLst>
+                </p:cNvPr>
+                <p:cNvSpPr txBox="1"/>
+                <p:nvPr/>
+              </p:nvSpPr>
+              <p:spPr>
+                <a:xfrm>
+                  <a:off x="8139916" y="1760286"/>
+                  <a:ext cx="1278835" cy="369332"/>
+                </a:xfrm>
+                <a:prstGeom prst="rect">
+                  <a:avLst/>
+                </a:prstGeom>
+                <a:noFill/>
+              </p:spPr>
+              <p:txBody>
+                <a:bodyPr wrap="square" rtlCol="0">
+                  <a:spAutoFit/>
+                </a:bodyPr>
+                <a:lstStyle/>
+                <a:p>
+                  <a14:m>
+                    <m:oMathPara xmlns:m="http://schemas.openxmlformats.org/officeDocument/2006/math">
+                      <m:oMathParaPr>
+                        <m:jc m:val="centerGroup"/>
+                      </m:oMathParaPr>
+                      <m:oMath xmlns:m="http://schemas.openxmlformats.org/officeDocument/2006/math">
+                        <m:r>
+                          <a:rPr lang="en-US" altLang="zh-CN" b="0" i="1" smtClean="0">
+                            <a:latin typeface="Cambria Math" panose="02040503050406030204" pitchFamily="18" charset="0"/>
+                          </a:rPr>
+                          <m:t>𝑙𝑎𝑦𝑒𝑟</m:t>
+                        </m:r>
+                        <m:r>
+                          <a:rPr lang="en-US" altLang="zh-CN" b="0" i="1" smtClean="0">
+                            <a:latin typeface="Cambria Math" panose="02040503050406030204" pitchFamily="18" charset="0"/>
+                          </a:rPr>
+                          <m:t>1</m:t>
+                        </m:r>
+                      </m:oMath>
+                    </m:oMathPara>
+                  </a14:m>
+                  <a:endParaRPr lang="zh-CN" altLang="en-US" dirty="0"/>
+                </a:p>
+              </p:txBody>
+            </p:sp>
+          </mc:Choice>
+          <mc:Fallback>
+            <p:sp>
+              <p:nvSpPr>
+                <p:cNvPr id="13" name="文本框 12">
+                  <a:extLst>
+                    <a:ext uri="{FF2B5EF4-FFF2-40B4-BE49-F238E27FC236}">
+                      <a16:creationId xmlns:a16="http://schemas.microsoft.com/office/drawing/2014/main" id="{93091E59-0076-4057-A3B9-6F4C2B010F4F}"/>
+                    </a:ext>
+                  </a:extLst>
+                </p:cNvPr>
+                <p:cNvSpPr txBox="1">
+                  <a:spLocks noRot="1" noChangeAspect="1" noMove="1" noResize="1" noEditPoints="1" noAdjustHandles="1" noChangeArrowheads="1" noChangeShapeType="1" noTextEdit="1"/>
+                </p:cNvSpPr>
+                <p:nvPr/>
+              </p:nvSpPr>
+              <p:spPr>
+                <a:xfrm>
+                  <a:off x="8139916" y="1760286"/>
+                  <a:ext cx="1278835" cy="369332"/>
+                </a:xfrm>
+                <a:prstGeom prst="rect">
+                  <a:avLst/>
+                </a:prstGeom>
+                <a:blipFill>
+                  <a:blip r:embed="rId5"/>
+                  <a:stretch>
+                    <a:fillRect b="-13333"/>
+                  </a:stretch>
+                </a:blipFill>
+              </p:spPr>
+              <p:txBody>
+                <a:bodyPr/>
+                <a:lstStyle/>
+                <a:p>
+                  <a:r>
+                    <a:rPr lang="zh-CN" altLang="en-US">
+                      <a:noFill/>
+                    </a:rPr>
+                    <a:t> </a:t>
+                  </a:r>
+                </a:p>
+              </p:txBody>
+            </p:sp>
+          </mc:Fallback>
+        </mc:AlternateContent>
+        <mc:AlternateContent xmlns:mc="http://schemas.openxmlformats.org/markup-compatibility/2006">
+          <mc:Choice xmlns:a14="http://schemas.microsoft.com/office/drawing/2010/main" Requires="a14">
+            <p:sp>
+              <p:nvSpPr>
+                <p:cNvPr id="14" name="文本框 13">
+                  <a:extLst>
+                    <a:ext uri="{FF2B5EF4-FFF2-40B4-BE49-F238E27FC236}">
+                      <a16:creationId xmlns:a16="http://schemas.microsoft.com/office/drawing/2014/main" id="{8C312F2C-7130-423C-AD83-9502683AFB7A}"/>
+                    </a:ext>
+                  </a:extLst>
+                </p:cNvPr>
+                <p:cNvSpPr txBox="1"/>
+                <p:nvPr/>
+              </p:nvSpPr>
+              <p:spPr>
+                <a:xfrm>
+                  <a:off x="8139916" y="2516471"/>
+                  <a:ext cx="1278835" cy="369332"/>
+                </a:xfrm>
+                <a:prstGeom prst="rect">
+                  <a:avLst/>
+                </a:prstGeom>
+                <a:noFill/>
+              </p:spPr>
+              <p:txBody>
+                <a:bodyPr wrap="square" rtlCol="0">
+                  <a:spAutoFit/>
+                </a:bodyPr>
+                <a:lstStyle/>
+                <a:p>
+                  <a14:m>
+                    <m:oMathPara xmlns:m="http://schemas.openxmlformats.org/officeDocument/2006/math">
+                      <m:oMathParaPr>
+                        <m:jc m:val="centerGroup"/>
+                      </m:oMathParaPr>
+                      <m:oMath xmlns:m="http://schemas.openxmlformats.org/officeDocument/2006/math">
+                        <m:r>
+                          <a:rPr lang="en-US" altLang="zh-CN" b="0" i="1" smtClean="0">
+                            <a:latin typeface="Cambria Math" panose="02040503050406030204" pitchFamily="18" charset="0"/>
+                          </a:rPr>
+                          <m:t>𝑙𝑎𝑦𝑒𝑟</m:t>
+                        </m:r>
+                        <m:r>
+                          <a:rPr lang="en-US" altLang="zh-CN" b="0" i="1" smtClean="0">
+                            <a:latin typeface="Cambria Math" panose="02040503050406030204" pitchFamily="18" charset="0"/>
+                          </a:rPr>
+                          <m:t>2</m:t>
+                        </m:r>
+                      </m:oMath>
+                    </m:oMathPara>
+                  </a14:m>
+                  <a:endParaRPr lang="zh-CN" altLang="en-US" dirty="0"/>
+                </a:p>
+              </p:txBody>
+            </p:sp>
+          </mc:Choice>
+          <mc:Fallback>
+            <p:sp>
+              <p:nvSpPr>
+                <p:cNvPr id="14" name="文本框 13">
+                  <a:extLst>
+                    <a:ext uri="{FF2B5EF4-FFF2-40B4-BE49-F238E27FC236}">
+                      <a16:creationId xmlns:a16="http://schemas.microsoft.com/office/drawing/2014/main" id="{8C312F2C-7130-423C-AD83-9502683AFB7A}"/>
+                    </a:ext>
+                  </a:extLst>
+                </p:cNvPr>
+                <p:cNvSpPr txBox="1">
+                  <a:spLocks noRot="1" noChangeAspect="1" noMove="1" noResize="1" noEditPoints="1" noAdjustHandles="1" noChangeArrowheads="1" noChangeShapeType="1" noTextEdit="1"/>
+                </p:cNvSpPr>
+                <p:nvPr/>
+              </p:nvSpPr>
+              <p:spPr>
+                <a:xfrm>
+                  <a:off x="8139916" y="2516471"/>
+                  <a:ext cx="1278835" cy="369332"/>
+                </a:xfrm>
+                <a:prstGeom prst="rect">
+                  <a:avLst/>
+                </a:prstGeom>
+                <a:blipFill>
+                  <a:blip r:embed="rId6"/>
+                  <a:stretch>
+                    <a:fillRect b="-13333"/>
+                  </a:stretch>
+                </a:blipFill>
+              </p:spPr>
+              <p:txBody>
+                <a:bodyPr/>
+                <a:lstStyle/>
+                <a:p>
+                  <a:r>
+                    <a:rPr lang="zh-CN" altLang="en-US">
+                      <a:noFill/>
+                    </a:rPr>
+                    <a:t> </a:t>
+                  </a:r>
+                </a:p>
+              </p:txBody>
+            </p:sp>
+          </mc:Fallback>
+        </mc:AlternateContent>
+        <mc:AlternateContent xmlns:mc="http://schemas.openxmlformats.org/markup-compatibility/2006">
+          <mc:Choice xmlns:a14="http://schemas.microsoft.com/office/drawing/2010/main" Requires="a14">
+            <p:sp>
+              <p:nvSpPr>
+                <p:cNvPr id="15" name="文本框 14">
+                  <a:extLst>
+                    <a:ext uri="{FF2B5EF4-FFF2-40B4-BE49-F238E27FC236}">
+                      <a16:creationId xmlns:a16="http://schemas.microsoft.com/office/drawing/2014/main" id="{0498DBB0-E61F-4A10-872C-E0FE3737BD53}"/>
+                    </a:ext>
+                  </a:extLst>
+                </p:cNvPr>
+                <p:cNvSpPr txBox="1"/>
+                <p:nvPr/>
+              </p:nvSpPr>
+              <p:spPr>
+                <a:xfrm>
+                  <a:off x="8139915" y="4607437"/>
+                  <a:ext cx="1278835" cy="369332"/>
+                </a:xfrm>
+                <a:prstGeom prst="rect">
+                  <a:avLst/>
+                </a:prstGeom>
+                <a:noFill/>
+              </p:spPr>
+              <p:txBody>
+                <a:bodyPr wrap="square" rtlCol="0">
+                  <a:spAutoFit/>
+                </a:bodyPr>
+                <a:lstStyle/>
+                <a:p>
+                  <a14:m>
+                    <m:oMathPara xmlns:m="http://schemas.openxmlformats.org/officeDocument/2006/math">
+                      <m:oMathParaPr>
+                        <m:jc m:val="centerGroup"/>
+                      </m:oMathParaPr>
+                      <m:oMath xmlns:m="http://schemas.openxmlformats.org/officeDocument/2006/math">
+                        <m:r>
+                          <a:rPr lang="en-US" altLang="zh-CN" b="0" i="1" smtClean="0">
+                            <a:latin typeface="Cambria Math" panose="02040503050406030204" pitchFamily="18" charset="0"/>
+                          </a:rPr>
+                          <m:t>𝑙𝑎𝑦𝑒𝑟𝑁</m:t>
+                        </m:r>
+                      </m:oMath>
+                    </m:oMathPara>
+                  </a14:m>
+                  <a:endParaRPr lang="zh-CN" altLang="en-US" dirty="0"/>
+                </a:p>
+              </p:txBody>
+            </p:sp>
+          </mc:Choice>
+          <mc:Fallback>
+            <p:sp>
+              <p:nvSpPr>
+                <p:cNvPr id="15" name="文本框 14">
+                  <a:extLst>
+                    <a:ext uri="{FF2B5EF4-FFF2-40B4-BE49-F238E27FC236}">
+                      <a16:creationId xmlns:a16="http://schemas.microsoft.com/office/drawing/2014/main" id="{0498DBB0-E61F-4A10-872C-E0FE3737BD53}"/>
+                    </a:ext>
+                  </a:extLst>
+                </p:cNvPr>
+                <p:cNvSpPr txBox="1">
+                  <a:spLocks noRot="1" noChangeAspect="1" noMove="1" noResize="1" noEditPoints="1" noAdjustHandles="1" noChangeArrowheads="1" noChangeShapeType="1" noTextEdit="1"/>
+                </p:cNvSpPr>
+                <p:nvPr/>
+              </p:nvSpPr>
+              <p:spPr>
+                <a:xfrm>
+                  <a:off x="8139915" y="4607437"/>
+                  <a:ext cx="1278835" cy="369332"/>
+                </a:xfrm>
+                <a:prstGeom prst="rect">
+                  <a:avLst/>
+                </a:prstGeom>
+                <a:blipFill>
+                  <a:blip r:embed="rId7"/>
+                  <a:stretch>
+                    <a:fillRect b="-13333"/>
+                  </a:stretch>
+                </a:blipFill>
+              </p:spPr>
+              <p:txBody>
+                <a:bodyPr/>
+                <a:lstStyle/>
+                <a:p>
+                  <a:r>
+                    <a:rPr lang="zh-CN" altLang="en-US">
+                      <a:noFill/>
+                    </a:rPr>
+                    <a:t> </a:t>
+                  </a:r>
+                </a:p>
+              </p:txBody>
+            </p:sp>
+          </mc:Fallback>
+        </mc:AlternateContent>
+        <p:sp>
+          <p:nvSpPr>
+            <p:cNvPr id="28" name="椭圆 27">
+              <a:extLst>
+                <a:ext uri="{FF2B5EF4-FFF2-40B4-BE49-F238E27FC236}">
+                  <a16:creationId xmlns:a16="http://schemas.microsoft.com/office/drawing/2014/main" id="{878002D1-81C7-4925-9034-31F9E3E43229}"/>
+                </a:ext>
+              </a:extLst>
+            </p:cNvPr>
+            <p:cNvSpPr/>
+            <p:nvPr/>
+          </p:nvSpPr>
+          <p:spPr>
+            <a:xfrm>
+              <a:off x="8673548" y="3326295"/>
+              <a:ext cx="105785" cy="102705"/>
+            </a:xfrm>
+            <a:prstGeom prst="ellipse">
+              <a:avLst/>
+            </a:prstGeom>
+          </p:spPr>
+          <p:style>
+            <a:lnRef idx="2">
+              <a:schemeClr val="accent1">
+                <a:shade val="50000"/>
+              </a:schemeClr>
+            </a:lnRef>
+            <a:fillRef idx="1">
+              <a:schemeClr val="accent1"/>
+            </a:fillRef>
+            <a:effectRef idx="0">
+              <a:schemeClr val="accent1"/>
+            </a:effectRef>
+            <a:fontRef idx="minor">
+              <a:schemeClr val="lt1"/>
+            </a:fontRef>
+          </p:style>
+          <p:txBody>
+            <a:bodyPr rtlCol="0" anchor="ctr"/>
+            <a:lstStyle/>
+            <a:p>
+              <a:pPr algn="ctr"/>
+              <a:endParaRPr lang="zh-CN" altLang="en-US"/>
+            </a:p>
+          </p:txBody>
+        </p:sp>
+        <p:sp>
+          <p:nvSpPr>
+            <p:cNvPr id="29" name="椭圆 28">
+              <a:extLst>
+                <a:ext uri="{FF2B5EF4-FFF2-40B4-BE49-F238E27FC236}">
+                  <a16:creationId xmlns:a16="http://schemas.microsoft.com/office/drawing/2014/main" id="{18B4996D-0AE6-4266-8243-E7682872A94A}"/>
+                </a:ext>
+              </a:extLst>
+            </p:cNvPr>
+            <p:cNvSpPr/>
+            <p:nvPr/>
+          </p:nvSpPr>
+          <p:spPr>
+            <a:xfrm>
+              <a:off x="8673548" y="3681511"/>
+              <a:ext cx="105785" cy="102705"/>
+            </a:xfrm>
+            <a:prstGeom prst="ellipse">
+              <a:avLst/>
+            </a:prstGeom>
+          </p:spPr>
+          <p:style>
+            <a:lnRef idx="2">
+              <a:schemeClr val="accent1">
+                <a:shade val="50000"/>
+              </a:schemeClr>
+            </a:lnRef>
+            <a:fillRef idx="1">
+              <a:schemeClr val="accent1"/>
+            </a:fillRef>
+            <a:effectRef idx="0">
+              <a:schemeClr val="accent1"/>
+            </a:effectRef>
+            <a:fontRef idx="minor">
+              <a:schemeClr val="lt1"/>
+            </a:fontRef>
+          </p:style>
+          <p:txBody>
+            <a:bodyPr rtlCol="0" anchor="ctr"/>
+            <a:lstStyle/>
+            <a:p>
+              <a:pPr algn="ctr"/>
+              <a:endParaRPr lang="zh-CN" altLang="en-US"/>
+            </a:p>
+          </p:txBody>
+        </p:sp>
+        <p:sp>
+          <p:nvSpPr>
+            <p:cNvPr id="30" name="椭圆 29">
+              <a:extLst>
+                <a:ext uri="{FF2B5EF4-FFF2-40B4-BE49-F238E27FC236}">
+                  <a16:creationId xmlns:a16="http://schemas.microsoft.com/office/drawing/2014/main" id="{85BEAF7A-C717-4CA2-945E-E0A30A9BE246}"/>
+                </a:ext>
+              </a:extLst>
+            </p:cNvPr>
+            <p:cNvSpPr/>
+            <p:nvPr/>
+          </p:nvSpPr>
+          <p:spPr>
+            <a:xfrm>
+              <a:off x="8673548" y="4036727"/>
+              <a:ext cx="105785" cy="102705"/>
+            </a:xfrm>
+            <a:prstGeom prst="ellipse">
+              <a:avLst/>
+            </a:prstGeom>
+          </p:spPr>
+          <p:style>
+            <a:lnRef idx="2">
+              <a:schemeClr val="accent1">
+                <a:shade val="50000"/>
+              </a:schemeClr>
+            </a:lnRef>
+            <a:fillRef idx="1">
+              <a:schemeClr val="accent1"/>
+            </a:fillRef>
+            <a:effectRef idx="0">
+              <a:schemeClr val="accent1"/>
+            </a:effectRef>
+            <a:fontRef idx="minor">
+              <a:schemeClr val="lt1"/>
+            </a:fontRef>
+          </p:style>
+          <p:txBody>
+            <a:bodyPr rtlCol="0" anchor="ctr"/>
+            <a:lstStyle/>
+            <a:p>
+              <a:pPr algn="ctr"/>
+              <a:endParaRPr lang="zh-CN" altLang="en-US"/>
+            </a:p>
+          </p:txBody>
+        </p:sp>
+      </p:grpSp>
+      <p:grpSp>
+        <p:nvGrpSpPr>
+          <p:cNvPr id="35" name="组合 34">
+            <a:extLst>
+              <a:ext uri="{FF2B5EF4-FFF2-40B4-BE49-F238E27FC236}">
+                <a16:creationId xmlns:a16="http://schemas.microsoft.com/office/drawing/2014/main" id="{F7945D0C-5082-45A2-91BF-6D1B5393758D}"/>
+              </a:ext>
+            </a:extLst>
+          </p:cNvPr>
+          <p:cNvGrpSpPr/>
+          <p:nvPr/>
+        </p:nvGrpSpPr>
+        <p:grpSpPr>
+          <a:xfrm>
+            <a:off x="5792620" y="3428999"/>
+            <a:ext cx="105785" cy="813137"/>
+            <a:chOff x="8825948" y="3478695"/>
+            <a:chExt cx="105785" cy="813137"/>
+          </a:xfrm>
+        </p:grpSpPr>
+        <p:sp>
+          <p:nvSpPr>
+            <p:cNvPr id="32" name="椭圆 31">
+              <a:extLst>
+                <a:ext uri="{FF2B5EF4-FFF2-40B4-BE49-F238E27FC236}">
+                  <a16:creationId xmlns:a16="http://schemas.microsoft.com/office/drawing/2014/main" id="{EFA0EAA9-B946-4EEC-9884-985296D6156C}"/>
+                </a:ext>
+              </a:extLst>
+            </p:cNvPr>
+            <p:cNvSpPr/>
+            <p:nvPr/>
+          </p:nvSpPr>
+          <p:spPr>
+            <a:xfrm>
+              <a:off x="8825948" y="3478695"/>
+              <a:ext cx="105785" cy="102705"/>
+            </a:xfrm>
+            <a:prstGeom prst="ellipse">
+              <a:avLst/>
+            </a:prstGeom>
+          </p:spPr>
+          <p:style>
+            <a:lnRef idx="2">
+              <a:schemeClr val="accent1">
+                <a:shade val="50000"/>
+              </a:schemeClr>
+            </a:lnRef>
+            <a:fillRef idx="1">
+              <a:schemeClr val="accent1"/>
+            </a:fillRef>
+            <a:effectRef idx="0">
+              <a:schemeClr val="accent1"/>
+            </a:effectRef>
+            <a:fontRef idx="minor">
+              <a:schemeClr val="lt1"/>
+            </a:fontRef>
+          </p:style>
+          <p:txBody>
+            <a:bodyPr rtlCol="0" anchor="ctr"/>
+            <a:lstStyle/>
+            <a:p>
+              <a:pPr algn="ctr"/>
+              <a:endParaRPr lang="zh-CN" altLang="en-US"/>
+            </a:p>
+          </p:txBody>
+        </p:sp>
+        <p:sp>
+          <p:nvSpPr>
+            <p:cNvPr id="33" name="椭圆 32">
+              <a:extLst>
+                <a:ext uri="{FF2B5EF4-FFF2-40B4-BE49-F238E27FC236}">
+                  <a16:creationId xmlns:a16="http://schemas.microsoft.com/office/drawing/2014/main" id="{D745F13B-C754-4D2F-B8EC-24AB2A65FE6A}"/>
+                </a:ext>
+              </a:extLst>
+            </p:cNvPr>
+            <p:cNvSpPr/>
+            <p:nvPr/>
+          </p:nvSpPr>
+          <p:spPr>
+            <a:xfrm>
+              <a:off x="8825948" y="3833911"/>
+              <a:ext cx="105785" cy="102705"/>
+            </a:xfrm>
+            <a:prstGeom prst="ellipse">
+              <a:avLst/>
+            </a:prstGeom>
+          </p:spPr>
+          <p:style>
+            <a:lnRef idx="2">
+              <a:schemeClr val="accent1">
+                <a:shade val="50000"/>
+              </a:schemeClr>
+            </a:lnRef>
+            <a:fillRef idx="1">
+              <a:schemeClr val="accent1"/>
+            </a:fillRef>
+            <a:effectRef idx="0">
+              <a:schemeClr val="accent1"/>
+            </a:effectRef>
+            <a:fontRef idx="minor">
+              <a:schemeClr val="lt1"/>
+            </a:fontRef>
+          </p:style>
+          <p:txBody>
+            <a:bodyPr rtlCol="0" anchor="ctr"/>
+            <a:lstStyle/>
+            <a:p>
+              <a:pPr algn="ctr"/>
+              <a:endParaRPr lang="zh-CN" altLang="en-US"/>
+            </a:p>
+          </p:txBody>
+        </p:sp>
+        <p:sp>
+          <p:nvSpPr>
+            <p:cNvPr id="34" name="椭圆 33">
+              <a:extLst>
+                <a:ext uri="{FF2B5EF4-FFF2-40B4-BE49-F238E27FC236}">
+                  <a16:creationId xmlns:a16="http://schemas.microsoft.com/office/drawing/2014/main" id="{6D1CA358-F891-473B-B4AE-36D32B3A2CAE}"/>
+                </a:ext>
+              </a:extLst>
+            </p:cNvPr>
+            <p:cNvSpPr/>
+            <p:nvPr/>
+          </p:nvSpPr>
+          <p:spPr>
+            <a:xfrm>
+              <a:off x="8825948" y="4189127"/>
+              <a:ext cx="105785" cy="102705"/>
+            </a:xfrm>
+            <a:prstGeom prst="ellipse">
+              <a:avLst/>
+            </a:prstGeom>
+          </p:spPr>
+          <p:style>
+            <a:lnRef idx="2">
+              <a:schemeClr val="accent1">
+                <a:shade val="50000"/>
+              </a:schemeClr>
+            </a:lnRef>
+            <a:fillRef idx="1">
+              <a:schemeClr val="accent1"/>
+            </a:fillRef>
+            <a:effectRef idx="0">
+              <a:schemeClr val="accent1"/>
+            </a:effectRef>
+            <a:fontRef idx="minor">
+              <a:schemeClr val="lt1"/>
+            </a:fontRef>
+          </p:style>
+          <p:txBody>
+            <a:bodyPr rtlCol="0" anchor="ctr"/>
+            <a:lstStyle/>
+            <a:p>
+              <a:pPr algn="ctr"/>
+              <a:endParaRPr lang="zh-CN" altLang="en-US"/>
+            </a:p>
+          </p:txBody>
+        </p:sp>
+      </p:grpSp>
+      <mc:AlternateContent xmlns:mc="http://schemas.openxmlformats.org/markup-compatibility/2006">
+        <mc:Choice xmlns:a14="http://schemas.microsoft.com/office/drawing/2010/main" Requires="a14">
+          <p:sp>
+            <p:nvSpPr>
+              <p:cNvPr id="36" name="文本框 35">
+                <a:extLst>
+                  <a:ext uri="{FF2B5EF4-FFF2-40B4-BE49-F238E27FC236}">
+                    <a16:creationId xmlns:a16="http://schemas.microsoft.com/office/drawing/2014/main" id="{F2DC2361-4059-43AB-AD44-E000EAB5D02A}"/>
+                  </a:ext>
+                </a:extLst>
+              </p:cNvPr>
+              <p:cNvSpPr txBox="1"/>
+              <p:nvPr/>
+            </p:nvSpPr>
+            <p:spPr>
+              <a:xfrm>
+                <a:off x="1820510" y="540026"/>
+                <a:ext cx="1127350" cy="369332"/>
+              </a:xfrm>
+              <a:prstGeom prst="rect">
+                <a:avLst/>
+              </a:prstGeom>
+              <a:noFill/>
+            </p:spPr>
+            <p:txBody>
+              <a:bodyPr wrap="square" rtlCol="0">
+                <a:spAutoFit/>
+              </a:bodyPr>
+              <a:lstStyle/>
+              <a:p>
+                <a14:m>
+                  <m:oMathPara xmlns:m="http://schemas.openxmlformats.org/officeDocument/2006/math">
+                    <m:oMathParaPr>
+                      <m:jc m:val="centerGroup"/>
+                    </m:oMathParaPr>
+                    <m:oMath xmlns:m="http://schemas.openxmlformats.org/officeDocument/2006/math">
+                      <m:r>
+                        <a:rPr lang="en-US" altLang="zh-CN" b="0" i="1" smtClean="0">
+                          <a:latin typeface="Cambria Math" panose="02040503050406030204" pitchFamily="18" charset="0"/>
+                        </a:rPr>
+                        <m:t>𝑂</m:t>
+                      </m:r>
+                    </m:oMath>
+                  </m:oMathPara>
+                </a14:m>
+                <a:endParaRPr lang="zh-CN" altLang="en-US" dirty="0"/>
+              </a:p>
+            </p:txBody>
+          </p:sp>
+        </mc:Choice>
+        <mc:Fallback>
+          <p:sp>
+            <p:nvSpPr>
+              <p:cNvPr id="36" name="文本框 35">
+                <a:extLst>
+                  <a:ext uri="{FF2B5EF4-FFF2-40B4-BE49-F238E27FC236}">
+                    <a16:creationId xmlns:a16="http://schemas.microsoft.com/office/drawing/2014/main" id="{F2DC2361-4059-43AB-AD44-E000EAB5D02A}"/>
+                  </a:ext>
+                </a:extLst>
+              </p:cNvPr>
+              <p:cNvSpPr txBox="1">
+                <a:spLocks noRot="1" noChangeAspect="1" noMove="1" noResize="1" noEditPoints="1" noAdjustHandles="1" noChangeArrowheads="1" noChangeShapeType="1" noTextEdit="1"/>
+              </p:cNvSpPr>
+              <p:nvPr/>
+            </p:nvSpPr>
+            <p:spPr>
+              <a:xfrm>
+                <a:off x="1820510" y="540026"/>
+                <a:ext cx="1127350" cy="369332"/>
+              </a:xfrm>
+              <a:prstGeom prst="rect">
+                <a:avLst/>
+              </a:prstGeom>
+              <a:blipFill>
+                <a:blip r:embed="rId8"/>
+                <a:stretch>
+                  <a:fillRect/>
+                </a:stretch>
+              </a:blipFill>
+            </p:spPr>
+            <p:txBody>
+              <a:bodyPr/>
+              <a:lstStyle/>
+              <a:p>
+                <a:r>
+                  <a:rPr lang="zh-CN" altLang="en-US">
+                    <a:noFill/>
+                  </a:rPr>
+                  <a:t> </a:t>
+                </a:r>
+              </a:p>
+            </p:txBody>
+          </p:sp>
+        </mc:Fallback>
+      </mc:AlternateContent>
     </p:spTree>
     <p:extLst>
       <p:ext uri="{BB962C8B-B14F-4D97-AF65-F5344CB8AC3E}">
